--- a/Presenting-A-Passion-for-Technology-and-People.pptx
+++ b/Presenting-A-Passion-for-Technology-and-People.pptx
@@ -2,17 +2,19 @@
 <file path=ppt/presentation.xml><?xml version="1.0" encoding="utf-8"?>
 <p:presentation xmlns:a="http://schemas.openxmlformats.org/drawingml/2006/main" xmlns:r="http://schemas.openxmlformats.org/officeDocument/2006/relationships" xmlns:p="http://schemas.openxmlformats.org/presentationml/2006/main" saveSubsetFonts="1" autoCompressPictures="0">
   <p:sldMasterIdLst>
-    <p:sldMasterId id="2147483648" r:id="rId1"/>
+    <p:sldMasterId id="2147483648" r:id="rId4"/>
   </p:sldMasterIdLst>
   <p:notesMasterIdLst>
-    <p:notesMasterId r:id="rId7"/>
+    <p:notesMasterId r:id="rId12"/>
   </p:notesMasterIdLst>
   <p:sldIdLst>
-    <p:sldId id="256" r:id="rId2"/>
-    <p:sldId id="257" r:id="rId3"/>
-    <p:sldId id="258" r:id="rId4"/>
-    <p:sldId id="259" r:id="rId5"/>
-    <p:sldId id="260" r:id="rId6"/>
+    <p:sldId id="256" r:id="rId5"/>
+    <p:sldId id="257" r:id="rId6"/>
+    <p:sldId id="258" r:id="rId7"/>
+    <p:sldId id="259" r:id="rId8"/>
+    <p:sldId id="260" r:id="rId9"/>
+    <p:sldId id="261" r:id="rId10"/>
+    <p:sldId id="263" r:id="rId11"/>
   </p:sldIdLst>
   <p:sldSz cx="14630400" cy="8229600"/>
   <p:notesSz cx="8229600" cy="14630400"/>
@@ -643,6 +645,174 @@
             <a:fld id="{F7021451-1387-4CA6-816F-3879F97B5CBC}" type="slidenum">
               <a:rPr lang="en-US"/>
               <a:t>5</a:t>
+            </a:fld>
+            <a:endParaRPr lang="en-US"/>
+          </a:p>
+        </p:txBody>
+      </p:sp>
+    </p:spTree>
+    <p:extLst>
+      <p:ext uri="{BB962C8B-B14F-4D97-AF65-F5344CB8AC3E}">
+        <p14:creationId xmlns:p14="http://schemas.microsoft.com/office/powerpoint/2010/main" val="1024086991"/>
+      </p:ext>
+    </p:extLst>
+  </p:cSld>
+  <p:clrMapOvr>
+    <a:masterClrMapping/>
+  </p:clrMapOvr>
+</p:notes>
+</file>
+
+<file path=ppt/notesSlides/notesSlide6.xml><?xml version="1.0" encoding="utf-8"?>
+<p:notes xmlns:a="http://schemas.openxmlformats.org/drawingml/2006/main" xmlns:r="http://schemas.openxmlformats.org/officeDocument/2006/relationships" xmlns:p="http://schemas.openxmlformats.org/presentationml/2006/main">
+  <p:cSld>
+    <p:spTree>
+      <p:nvGrpSpPr>
+        <p:cNvPr id="1" name=""/>
+        <p:cNvGrpSpPr/>
+        <p:nvPr/>
+      </p:nvGrpSpPr>
+      <p:grpSpPr>
+        <a:xfrm>
+          <a:off x="0" y="0"/>
+          <a:ext cx="0" cy="0"/>
+          <a:chOff x="0" y="0"/>
+          <a:chExt cx="0" cy="0"/>
+        </a:xfrm>
+      </p:grpSpPr>
+      <p:sp>
+        <p:nvSpPr>
+          <p:cNvPr id="2" name="Slide Image Placeholder 1"/>
+          <p:cNvSpPr>
+            <a:spLocks noGrp="1" noRot="1" noChangeAspect="1"/>
+          </p:cNvSpPr>
+          <p:nvPr>
+            <p:ph type="sldImg"/>
+          </p:nvPr>
+        </p:nvSpPr>
+        <p:spPr/>
+      </p:sp>
+      <p:sp>
+        <p:nvSpPr>
+          <p:cNvPr id="3" name="Notes Placeholder 2"/>
+          <p:cNvSpPr>
+            <a:spLocks noGrp="1"/>
+          </p:cNvSpPr>
+          <p:nvPr>
+            <p:ph type="body" idx="1"/>
+          </p:nvPr>
+        </p:nvSpPr>
+        <p:spPr/>
+        <p:txBody>
+          <a:bodyPr/>
+          <a:lstStyle/>
+          <a:p>
+            <a:endParaRPr lang="en-US" dirty="0"/>
+          </a:p>
+        </p:txBody>
+      </p:sp>
+      <p:sp>
+        <p:nvSpPr>
+          <p:cNvPr id="4" name="Slide Number Placeholder 3"/>
+          <p:cNvSpPr>
+            <a:spLocks noGrp="1"/>
+          </p:cNvSpPr>
+          <p:nvPr>
+            <p:ph type="sldNum" sz="quarter" idx="10"/>
+          </p:nvPr>
+        </p:nvSpPr>
+        <p:spPr/>
+        <p:txBody>
+          <a:bodyPr/>
+          <a:lstStyle/>
+          <a:p>
+            <a:fld id="{F7021451-1387-4CA6-816F-3879F97B5CBC}" type="slidenum">
+              <a:rPr lang="en-US"/>
+              <a:t>6</a:t>
+            </a:fld>
+            <a:endParaRPr lang="en-US"/>
+          </a:p>
+        </p:txBody>
+      </p:sp>
+    </p:spTree>
+    <p:extLst>
+      <p:ext uri="{BB962C8B-B14F-4D97-AF65-F5344CB8AC3E}">
+        <p14:creationId xmlns:p14="http://schemas.microsoft.com/office/powerpoint/2010/main" val="1024086991"/>
+      </p:ext>
+    </p:extLst>
+  </p:cSld>
+  <p:clrMapOvr>
+    <a:masterClrMapping/>
+  </p:clrMapOvr>
+</p:notes>
+</file>
+
+<file path=ppt/notesSlides/notesSlide7.xml><?xml version="1.0" encoding="utf-8"?>
+<p:notes xmlns:a="http://schemas.openxmlformats.org/drawingml/2006/main" xmlns:r="http://schemas.openxmlformats.org/officeDocument/2006/relationships" xmlns:p="http://schemas.openxmlformats.org/presentationml/2006/main">
+  <p:cSld>
+    <p:spTree>
+      <p:nvGrpSpPr>
+        <p:cNvPr id="1" name=""/>
+        <p:cNvGrpSpPr/>
+        <p:nvPr/>
+      </p:nvGrpSpPr>
+      <p:grpSpPr>
+        <a:xfrm>
+          <a:off x="0" y="0"/>
+          <a:ext cx="0" cy="0"/>
+          <a:chOff x="0" y="0"/>
+          <a:chExt cx="0" cy="0"/>
+        </a:xfrm>
+      </p:grpSpPr>
+      <p:sp>
+        <p:nvSpPr>
+          <p:cNvPr id="2" name="Slide Image Placeholder 1"/>
+          <p:cNvSpPr>
+            <a:spLocks noGrp="1" noRot="1" noChangeAspect="1"/>
+          </p:cNvSpPr>
+          <p:nvPr>
+            <p:ph type="sldImg"/>
+          </p:nvPr>
+        </p:nvSpPr>
+        <p:spPr/>
+      </p:sp>
+      <p:sp>
+        <p:nvSpPr>
+          <p:cNvPr id="3" name="Notes Placeholder 2"/>
+          <p:cNvSpPr>
+            <a:spLocks noGrp="1"/>
+          </p:cNvSpPr>
+          <p:nvPr>
+            <p:ph type="body" idx="1"/>
+          </p:nvPr>
+        </p:nvSpPr>
+        <p:spPr/>
+        <p:txBody>
+          <a:bodyPr/>
+          <a:lstStyle/>
+          <a:p>
+            <a:endParaRPr lang="en-US" dirty="0"/>
+          </a:p>
+        </p:txBody>
+      </p:sp>
+      <p:sp>
+        <p:nvSpPr>
+          <p:cNvPr id="4" name="Slide Number Placeholder 3"/>
+          <p:cNvSpPr>
+            <a:spLocks noGrp="1"/>
+          </p:cNvSpPr>
+          <p:nvPr>
+            <p:ph type="sldNum" sz="quarter" idx="10"/>
+          </p:nvPr>
+        </p:nvSpPr>
+        <p:spPr/>
+        <p:txBody>
+          <a:bodyPr/>
+          <a:lstStyle/>
+          <a:p>
+            <a:fld id="{F7021451-1387-4CA6-816F-3879F97B5CBC}" type="slidenum">
+              <a:rPr lang="en-US"/>
+              <a:t>7</a:t>
             </a:fld>
             <a:endParaRPr lang="en-US"/>
           </a:p>
@@ -1037,34 +1207,10 @@
           <a:bodyPr/>
           <a:lstStyle/>
           <a:p>
-            <a:endParaRPr lang="en-LK"/>
-          </a:p>
-        </p:txBody>
-      </p:sp>
-      <p:pic>
-        <p:nvPicPr>
-          <p:cNvPr id="4" name="Image 1" descr="preencoded.png"/>
-          <p:cNvPicPr>
-            <a:picLocks noChangeAspect="1"/>
-          </p:cNvPicPr>
-          <p:nvPr/>
-        </p:nvPicPr>
-        <p:blipFill>
-          <a:blip r:embed="rId4"/>
-          <a:stretch>
-            <a:fillRect/>
-          </a:stretch>
-        </p:blipFill>
-        <p:spPr>
-          <a:xfrm>
-            <a:off x="9151620" y="0"/>
-            <a:ext cx="5486400" cy="8229600"/>
-          </a:xfrm>
-          <a:prstGeom prst="rect">
-            <a:avLst/>
-          </a:prstGeom>
-        </p:spPr>
-      </p:pic>
+            <a:endParaRPr lang="en-LK" dirty="0"/>
+          </a:p>
+        </p:txBody>
+      </p:sp>
       <p:sp>
         <p:nvSpPr>
           <p:cNvPr id="5" name="Text 1"/>
@@ -1130,20 +1276,50 @@
               <a:buNone/>
             </a:pPr>
             <a:r>
-              <a:rPr lang="en-US" sz="2800" dirty="0">
-                <a:solidFill>
-                  <a:srgbClr val="454240"/>
-                </a:solidFill>
-                <a:latin typeface="DM Sans" pitchFamily="34" charset="0"/>
-                <a:ea typeface="DM Sans" pitchFamily="34" charset="-122"/>
-                <a:cs typeface="DM Sans" pitchFamily="34" charset="-120"/>
-              </a:rPr>
-              <a:t>I'm excited to share my background, interests, and enthusiasm for this role at MadMobile supporting the restaurant industry.</a:t>
+              <a:rPr lang="en-US" sz="2800" dirty="0"/>
+              <a:t>I’m an IT professional with 5 years of experience in </a:t>
             </a:r>
-            <a:endParaRPr lang="en-US" sz="2800" dirty="0"/>
-          </a:p>
-        </p:txBody>
-      </p:sp>
+            <a:r>
+              <a:rPr lang="en-US" sz="2800" dirty="0" err="1"/>
+              <a:t>MadMobile</a:t>
+            </a:r>
+            <a:r>
+              <a:rPr lang="en-US" sz="2800" dirty="0"/>
+              <a:t>.</a:t>
+            </a:r>
+          </a:p>
+        </p:txBody>
+      </p:sp>
+      <p:pic>
+        <p:nvPicPr>
+          <p:cNvPr id="8" name="Picture 7" descr="A person taking a selfie&#10;&#10;Description automatically generated">
+            <a:extLst>
+              <a:ext uri="{FF2B5EF4-FFF2-40B4-BE49-F238E27FC236}">
+                <a16:creationId xmlns:a16="http://schemas.microsoft.com/office/drawing/2014/main" id="{181DBAC9-C623-3EEC-8402-82A5A134931F}"/>
+              </a:ext>
+            </a:extLst>
+          </p:cNvPr>
+          <p:cNvPicPr>
+            <a:picLocks noChangeAspect="1"/>
+          </p:cNvPicPr>
+          <p:nvPr/>
+        </p:nvPicPr>
+        <p:blipFill>
+          <a:blip r:embed="rId4"/>
+          <a:stretch>
+            <a:fillRect/>
+          </a:stretch>
+        </p:blipFill>
+        <p:spPr>
+          <a:xfrm>
+            <a:off x="9589169" y="0"/>
+            <a:ext cx="5041232" cy="8229600"/>
+          </a:xfrm>
+          <a:prstGeom prst="rect">
+            <a:avLst/>
+          </a:prstGeom>
+        </p:spPr>
+      </p:pic>
     </p:spTree>
   </p:cSld>
   <p:clrMapOvr>
@@ -1374,7 +1550,7 @@
                 <a:ea typeface="DM Sans" pitchFamily="34" charset="-122"/>
                 <a:cs typeface="DM Sans" pitchFamily="34" charset="-120"/>
               </a:rPr>
-              <a:t>Hiking, photography, and gaming</a:t>
+              <a:t>photography, and gaming</a:t>
             </a:r>
             <a:endParaRPr lang="en-US" sz="2000" dirty="0"/>
           </a:p>
@@ -1492,7 +1668,7 @@
                 <a:ea typeface="DM Sans" pitchFamily="34" charset="-122"/>
                 <a:cs typeface="DM Sans" pitchFamily="34" charset="-120"/>
               </a:rPr>
-              <a:t>Curious, collaborative, and detail-oriented</a:t>
+              <a:t>Curious, and detail-oriented</a:t>
             </a:r>
             <a:endParaRPr lang="en-US" sz="2000" dirty="0"/>
           </a:p>
@@ -1609,7 +1785,7 @@
                 <a:ea typeface="DM Sans" pitchFamily="34" charset="-122"/>
                 <a:cs typeface="DM Sans" pitchFamily="34" charset="-120"/>
               </a:rPr>
-              <a:t>continuous learning, Optimism and Adventures</a:t>
+              <a:t>Optimism and Adventures</a:t>
             </a:r>
           </a:p>
           <a:p>
@@ -1863,7 +2039,7 @@
                 <a:ea typeface="DM Sans" pitchFamily="34" charset="-122"/>
                 <a:cs typeface="DM Sans" pitchFamily="34" charset="-120"/>
               </a:rPr>
-              <a:t>His combination of intellect, technology, and determination inspires me to strive for excellence.</a:t>
+              <a:t>His combination of intellect, technology, and determination inspires me.</a:t>
             </a:r>
             <a:endParaRPr lang="en-US" sz="2000" dirty="0"/>
           </a:p>
@@ -1947,7 +2123,7 @@
                 <a:ea typeface="DM Sans" pitchFamily="34" charset="-122"/>
                 <a:cs typeface="DM Sans" pitchFamily="34" charset="-120"/>
               </a:rPr>
-              <a:t>Like Batman, I'm driven to use my skills to solve complex problems and make a difference.</a:t>
+              <a:t>Like Batman, I'm driven to use my expertise &amp; skills to solve problems</a:t>
             </a:r>
             <a:endParaRPr lang="en-US" sz="2000" dirty="0"/>
           </a:p>
@@ -2031,7 +2207,7 @@
                 <a:ea typeface="DM Sans" pitchFamily="34" charset="-122"/>
                 <a:cs typeface="DM Sans" pitchFamily="34" charset="-120"/>
               </a:rPr>
-              <a:t>Batman's origin story of turning personal tragedy into purpose motivates me daily.</a:t>
+              <a:t>Batman's origin story of helping people motivates me.</a:t>
             </a:r>
             <a:endParaRPr lang="en-US" sz="2000" dirty="0"/>
           </a:p>
@@ -2107,57 +2283,6 @@
           <a:chExt cx="0" cy="0"/>
         </a:xfrm>
       </p:grpSpPr>
-      <p:pic>
-        <p:nvPicPr>
-          <p:cNvPr id="2" name="Image 0" descr="preencoded.png"/>
-          <p:cNvPicPr>
-            <a:picLocks noChangeAspect="1"/>
-          </p:cNvPicPr>
-          <p:nvPr/>
-        </p:nvPicPr>
-        <p:blipFill>
-          <a:blip r:embed="rId3"/>
-          <a:stretch>
-            <a:fillRect/>
-          </a:stretch>
-        </p:blipFill>
-        <p:spPr>
-          <a:xfrm>
-            <a:off x="0" y="-37861"/>
-            <a:ext cx="14630400" cy="8229600"/>
-          </a:xfrm>
-          <a:prstGeom prst="rect">
-            <a:avLst/>
-          </a:prstGeom>
-        </p:spPr>
-      </p:pic>
-      <p:sp>
-        <p:nvSpPr>
-          <p:cNvPr id="3" name="Shape 0"/>
-          <p:cNvSpPr/>
-          <p:nvPr/>
-        </p:nvSpPr>
-        <p:spPr>
-          <a:xfrm>
-            <a:off x="0" y="-38576"/>
-            <a:ext cx="14630400" cy="8229600"/>
-          </a:xfrm>
-          <a:prstGeom prst="rect">
-            <a:avLst/>
-          </a:prstGeom>
-          <a:solidFill>
-            <a:srgbClr val="FFFDFA"/>
-          </a:solidFill>
-          <a:ln/>
-        </p:spPr>
-        <p:txBody>
-          <a:bodyPr/>
-          <a:lstStyle/>
-          <a:p>
-            <a:endParaRPr lang="en-LK" dirty="0"/>
-          </a:p>
-        </p:txBody>
-      </p:sp>
       <p:sp>
         <p:nvSpPr>
           <p:cNvPr id="4" name="Text 1"/>
@@ -2166,7 +2291,7 @@
         </p:nvSpPr>
         <p:spPr>
           <a:xfrm>
-            <a:off x="1788141" y="2528501"/>
+            <a:off x="1534735" y="1655326"/>
             <a:ext cx="12842259" cy="1388745"/>
           </a:xfrm>
           <a:prstGeom prst="rect">
@@ -2208,7 +2333,7 @@
         </p:nvSpPr>
         <p:spPr>
           <a:xfrm>
-            <a:off x="1491496" y="3652718"/>
+            <a:off x="943664" y="2830405"/>
             <a:ext cx="499943" cy="499943"/>
           </a:xfrm>
           <a:prstGeom prst="roundRect">
@@ -2242,7 +2367,7 @@
         </p:nvSpPr>
         <p:spPr>
           <a:xfrm>
-            <a:off x="1667113" y="3694390"/>
+            <a:off x="1132620" y="2835830"/>
             <a:ext cx="148709" cy="416481"/>
           </a:xfrm>
           <a:prstGeom prst="rect">
@@ -2278,56 +2403,14 @@
       </p:sp>
       <p:sp>
         <p:nvSpPr>
-          <p:cNvPr id="7" name="Text 4"/>
-          <p:cNvSpPr/>
-          <p:nvPr/>
-        </p:nvSpPr>
-        <p:spPr>
-          <a:xfrm>
-            <a:off x="2213610" y="3729038"/>
-            <a:ext cx="2777490" cy="347186"/>
-          </a:xfrm>
-          <a:prstGeom prst="rect">
-            <a:avLst/>
-          </a:prstGeom>
-          <a:noFill/>
-          <a:ln/>
-        </p:spPr>
-        <p:txBody>
-          <a:bodyPr wrap="none" rtlCol="0" anchor="t"/>
-          <a:lstStyle/>
-          <a:p>
-            <a:pPr marL="0" indent="0">
-              <a:lnSpc>
-                <a:spcPts val="2734"/>
-              </a:lnSpc>
-              <a:buNone/>
-            </a:pPr>
-            <a:r>
-              <a:rPr lang="en-US" sz="2800" dirty="0">
-                <a:solidFill>
-                  <a:srgbClr val="454240"/>
-                </a:solidFill>
-                <a:latin typeface="Libre Baskerville" pitchFamily="34" charset="0"/>
-                <a:ea typeface="Libre Baskerville" pitchFamily="34" charset="-122"/>
-                <a:cs typeface="Libre Baskerville" pitchFamily="34" charset="-120"/>
-              </a:rPr>
-              <a:t>Cutting-Edge Tech</a:t>
-            </a:r>
-            <a:endParaRPr lang="en-US" sz="2800" dirty="0"/>
-          </a:p>
-        </p:txBody>
-      </p:sp>
-      <p:sp>
-        <p:nvSpPr>
           <p:cNvPr id="8" name="Text 5"/>
           <p:cNvSpPr/>
           <p:nvPr/>
         </p:nvSpPr>
         <p:spPr>
           <a:xfrm>
-            <a:off x="2213610" y="4209455"/>
-            <a:ext cx="4666178" cy="1307425"/>
+            <a:off x="1645265" y="4009076"/>
+            <a:ext cx="11162824" cy="856792"/>
           </a:xfrm>
           <a:prstGeom prst="rect">
             <a:avLst/>
@@ -2354,7 +2437,7 @@
                 <a:ea typeface="DM Sans" pitchFamily="34" charset="-122"/>
                 <a:cs typeface="DM Sans" pitchFamily="34" charset="-120"/>
               </a:rPr>
-              <a:t>MadMobile's innovative solutions empower restaurants to adapt and thrive.</a:t>
+              <a:t>MadMobile's innovative solutions empower restaurants to adapt mobile and mobile transactions </a:t>
             </a:r>
             <a:endParaRPr lang="en-US" sz="2000" dirty="0"/>
           </a:p>
@@ -2368,7 +2451,7 @@
         </p:nvSpPr>
         <p:spPr>
           <a:xfrm>
-            <a:off x="7573566" y="3730465"/>
+            <a:off x="941635" y="4078360"/>
             <a:ext cx="499943" cy="499943"/>
           </a:xfrm>
           <a:prstGeom prst="roundRect">
@@ -2402,7 +2485,7 @@
         </p:nvSpPr>
         <p:spPr>
           <a:xfrm>
-            <a:off x="7720847" y="3772137"/>
+            <a:off x="1088916" y="4120032"/>
             <a:ext cx="205383" cy="416481"/>
           </a:xfrm>
           <a:prstGeom prst="rect">
@@ -2438,56 +2521,14 @@
       </p:sp>
       <p:sp>
         <p:nvSpPr>
-          <p:cNvPr id="11" name="Text 8"/>
-          <p:cNvSpPr/>
-          <p:nvPr/>
-        </p:nvSpPr>
-        <p:spPr>
-          <a:xfrm>
-            <a:off x="8295680" y="3806785"/>
-            <a:ext cx="3743920" cy="347186"/>
-          </a:xfrm>
-          <a:prstGeom prst="rect">
-            <a:avLst/>
-          </a:prstGeom>
-          <a:noFill/>
-          <a:ln/>
-        </p:spPr>
-        <p:txBody>
-          <a:bodyPr wrap="none" rtlCol="0" anchor="t"/>
-          <a:lstStyle/>
-          <a:p>
-            <a:pPr marL="0" indent="0">
-              <a:lnSpc>
-                <a:spcPts val="2734"/>
-              </a:lnSpc>
-              <a:buNone/>
-            </a:pPr>
-            <a:r>
-              <a:rPr lang="en-US" sz="2800" dirty="0">
-                <a:solidFill>
-                  <a:srgbClr val="454240"/>
-                </a:solidFill>
-                <a:latin typeface="Libre Baskerville" pitchFamily="34" charset="0"/>
-                <a:ea typeface="Libre Baskerville" pitchFamily="34" charset="-122"/>
-                <a:cs typeface="Libre Baskerville" pitchFamily="34" charset="-120"/>
-              </a:rPr>
-              <a:t>Improving the Experience</a:t>
-            </a:r>
-            <a:endParaRPr lang="en-US" sz="2800" dirty="0"/>
-          </a:p>
-        </p:txBody>
-      </p:sp>
-      <p:sp>
-        <p:nvSpPr>
           <p:cNvPr id="12" name="Text 9"/>
           <p:cNvSpPr/>
           <p:nvPr/>
         </p:nvSpPr>
         <p:spPr>
           <a:xfrm>
-            <a:off x="8295680" y="4287202"/>
-            <a:ext cx="4871680" cy="1229678"/>
+            <a:off x="1491496" y="2684731"/>
+            <a:ext cx="11470362" cy="1229678"/>
           </a:xfrm>
           <a:prstGeom prst="rect">
             <a:avLst/>
@@ -2506,7 +2547,7 @@
               <a:buNone/>
             </a:pPr>
             <a:r>
-              <a:rPr lang="en-US" sz="2000" dirty="0">
+              <a:rPr lang="en-GB" sz="2000" dirty="0">
                 <a:solidFill>
                   <a:srgbClr val="454240"/>
                 </a:solidFill>
@@ -2514,7 +2555,7 @@
                 <a:ea typeface="DM Sans" pitchFamily="34" charset="-122"/>
                 <a:cs typeface="DM Sans" pitchFamily="34" charset="-120"/>
               </a:rPr>
-              <a:t>Streamlining operations and enhancing the customer journey.</a:t>
+              <a:t>Mad Mobile elevates the experience of both your retail and restaurant guests with award-winning technology and hardware</a:t>
             </a:r>
             <a:endParaRPr lang="en-US" sz="2000" dirty="0"/>
           </a:p>
@@ -2522,13 +2563,13 @@
       </p:sp>
       <p:sp>
         <p:nvSpPr>
-          <p:cNvPr id="13" name="Shape 10"/>
-          <p:cNvSpPr/>
-          <p:nvPr/>
-        </p:nvSpPr>
-        <p:spPr>
-          <a:xfrm>
-            <a:off x="1491496" y="5845017"/>
+          <p:cNvPr id="17" name="Shape 14"/>
+          <p:cNvSpPr/>
+          <p:nvPr/>
+        </p:nvSpPr>
+        <p:spPr>
+          <a:xfrm>
+            <a:off x="943664" y="5430169"/>
             <a:ext cx="499943" cy="499943"/>
           </a:xfrm>
           <a:prstGeom prst="roundRect">
@@ -2556,14 +2597,14 @@
       </p:sp>
       <p:sp>
         <p:nvSpPr>
-          <p:cNvPr id="14" name="Text 11"/>
-          <p:cNvSpPr/>
-          <p:nvPr/>
-        </p:nvSpPr>
-        <p:spPr>
-          <a:xfrm>
-            <a:off x="1638776" y="5886688"/>
-            <a:ext cx="205383" cy="416481"/>
+          <p:cNvPr id="18" name="Text 15"/>
+          <p:cNvSpPr/>
+          <p:nvPr/>
+        </p:nvSpPr>
+        <p:spPr>
+          <a:xfrm>
+            <a:off x="1096064" y="5471840"/>
+            <a:ext cx="195024" cy="416481"/>
           </a:xfrm>
           <a:prstGeom prst="rect">
             <a:avLst/>
@@ -2587,8 +2628,6 @@
                   <a:srgbClr val="454240"/>
                 </a:solidFill>
                 <a:latin typeface="Libre Baskerville" pitchFamily="34" charset="0"/>
-                <a:ea typeface="Libre Baskerville" pitchFamily="34" charset="-122"/>
-                <a:cs typeface="Libre Baskerville" pitchFamily="34" charset="-120"/>
               </a:rPr>
               <a:t>3</a:t>
             </a:r>
@@ -2598,56 +2637,14 @@
       </p:sp>
       <p:sp>
         <p:nvSpPr>
-          <p:cNvPr id="15" name="Text 12"/>
-          <p:cNvSpPr/>
-          <p:nvPr/>
-        </p:nvSpPr>
-        <p:spPr>
-          <a:xfrm>
-            <a:off x="2213610" y="5921336"/>
-            <a:ext cx="2777490" cy="347186"/>
-          </a:xfrm>
-          <a:prstGeom prst="rect">
-            <a:avLst/>
-          </a:prstGeom>
-          <a:noFill/>
-          <a:ln/>
-        </p:spPr>
-        <p:txBody>
-          <a:bodyPr wrap="none" rtlCol="0" anchor="t"/>
-          <a:lstStyle/>
-          <a:p>
-            <a:pPr marL="0" indent="0">
-              <a:lnSpc>
-                <a:spcPts val="2734"/>
-              </a:lnSpc>
-              <a:buNone/>
-            </a:pPr>
-            <a:r>
-              <a:rPr lang="en-US" sz="2800" dirty="0">
-                <a:solidFill>
-                  <a:srgbClr val="454240"/>
-                </a:solidFill>
-                <a:latin typeface="Libre Baskerville" pitchFamily="34" charset="0"/>
-                <a:ea typeface="Libre Baskerville" pitchFamily="34" charset="-122"/>
-                <a:cs typeface="Libre Baskerville" pitchFamily="34" charset="-120"/>
-              </a:rPr>
-              <a:t>All in one Solutions</a:t>
-            </a:r>
-            <a:endParaRPr lang="en-US" sz="2800" dirty="0"/>
-          </a:p>
-        </p:txBody>
-      </p:sp>
-      <p:sp>
-        <p:nvSpPr>
-          <p:cNvPr id="16" name="Text 13"/>
-          <p:cNvSpPr/>
-          <p:nvPr/>
-        </p:nvSpPr>
-        <p:spPr>
-          <a:xfrm>
-            <a:off x="2213610" y="6401753"/>
-            <a:ext cx="4666178" cy="1328738"/>
+          <p:cNvPr id="20" name="Text 17"/>
+          <p:cNvSpPr/>
+          <p:nvPr/>
+        </p:nvSpPr>
+        <p:spPr>
+          <a:xfrm>
+            <a:off x="1720219" y="5405584"/>
+            <a:ext cx="11389605" cy="856792"/>
           </a:xfrm>
           <a:prstGeom prst="rect">
             <a:avLst/>
@@ -2666,7 +2663,7 @@
               <a:buNone/>
             </a:pPr>
             <a:r>
-              <a:rPr lang="en-US" sz="2000" dirty="0">
+              <a:rPr lang="en-GB" sz="2000" dirty="0">
                 <a:solidFill>
                   <a:srgbClr val="454240"/>
                 </a:solidFill>
@@ -2674,167 +2671,7 @@
                 <a:ea typeface="DM Sans" pitchFamily="34" charset="-122"/>
                 <a:cs typeface="DM Sans" pitchFamily="34" charset="-120"/>
               </a:rPr>
-              <a:t>Flexible technology that can support a wide range of restaurants.</a:t>
-            </a:r>
-            <a:endParaRPr lang="en-US" sz="2000" dirty="0"/>
-          </a:p>
-        </p:txBody>
-      </p:sp>
-      <p:sp>
-        <p:nvSpPr>
-          <p:cNvPr id="17" name="Shape 14"/>
-          <p:cNvSpPr/>
-          <p:nvPr/>
-        </p:nvSpPr>
-        <p:spPr>
-          <a:xfrm>
-            <a:off x="7573566" y="5903178"/>
-            <a:ext cx="499943" cy="499943"/>
-          </a:xfrm>
-          <a:prstGeom prst="roundRect">
-            <a:avLst>
-              <a:gd name="adj" fmla="val 20000"/>
-            </a:avLst>
-          </a:prstGeom>
-          <a:solidFill>
-            <a:srgbClr val="F7EDD4"/>
-          </a:solidFill>
-          <a:ln w="7620">
-            <a:solidFill>
-              <a:srgbClr val="DDD3BA"/>
-            </a:solidFill>
-            <a:prstDash val="solid"/>
-          </a:ln>
-        </p:spPr>
-        <p:txBody>
-          <a:bodyPr/>
-          <a:lstStyle/>
-          <a:p>
-            <a:endParaRPr lang="en-LK"/>
-          </a:p>
-        </p:txBody>
-      </p:sp>
-      <p:sp>
-        <p:nvSpPr>
-          <p:cNvPr id="18" name="Text 15"/>
-          <p:cNvSpPr/>
-          <p:nvPr/>
-        </p:nvSpPr>
-        <p:spPr>
-          <a:xfrm>
-            <a:off x="7725966" y="5944849"/>
-            <a:ext cx="195024" cy="416481"/>
-          </a:xfrm>
-          <a:prstGeom prst="rect">
-            <a:avLst/>
-          </a:prstGeom>
-          <a:noFill/>
-          <a:ln/>
-        </p:spPr>
-        <p:txBody>
-          <a:bodyPr wrap="none" rtlCol="0" anchor="t"/>
-          <a:lstStyle/>
-          <a:p>
-            <a:pPr marL="0" indent="0" algn="ctr">
-              <a:lnSpc>
-                <a:spcPts val="3281"/>
-              </a:lnSpc>
-              <a:buNone/>
-            </a:pPr>
-            <a:r>
-              <a:rPr lang="en-US" sz="2624" dirty="0">
-                <a:solidFill>
-                  <a:srgbClr val="454240"/>
-                </a:solidFill>
-                <a:latin typeface="Libre Baskerville" pitchFamily="34" charset="0"/>
-                <a:ea typeface="Libre Baskerville" pitchFamily="34" charset="-122"/>
-                <a:cs typeface="Libre Baskerville" pitchFamily="34" charset="-120"/>
-              </a:rPr>
-              <a:t>4</a:t>
-            </a:r>
-            <a:endParaRPr lang="en-US" sz="2624" dirty="0"/>
-          </a:p>
-        </p:txBody>
-      </p:sp>
-      <p:sp>
-        <p:nvSpPr>
-          <p:cNvPr id="19" name="Text 16"/>
-          <p:cNvSpPr/>
-          <p:nvPr/>
-        </p:nvSpPr>
-        <p:spPr>
-          <a:xfrm>
-            <a:off x="8295680" y="5979497"/>
-            <a:ext cx="2777490" cy="347186"/>
-          </a:xfrm>
-          <a:prstGeom prst="rect">
-            <a:avLst/>
-          </a:prstGeom>
-          <a:noFill/>
-          <a:ln/>
-        </p:spPr>
-        <p:txBody>
-          <a:bodyPr wrap="none" rtlCol="0" anchor="t"/>
-          <a:lstStyle/>
-          <a:p>
-            <a:pPr marL="0" indent="0">
-              <a:lnSpc>
-                <a:spcPts val="2734"/>
-              </a:lnSpc>
-              <a:buNone/>
-            </a:pPr>
-            <a:r>
-              <a:rPr lang="en-US" sz="2800" dirty="0">
-                <a:solidFill>
-                  <a:srgbClr val="454240"/>
-                </a:solidFill>
-                <a:latin typeface="Libre Baskerville" pitchFamily="34" charset="0"/>
-                <a:ea typeface="Libre Baskerville" pitchFamily="34" charset="-122"/>
-                <a:cs typeface="Libre Baskerville" pitchFamily="34" charset="-120"/>
-              </a:rPr>
-              <a:t>Industry Expertise</a:t>
-            </a:r>
-            <a:endParaRPr lang="en-US" sz="2800" dirty="0"/>
-          </a:p>
-        </p:txBody>
-      </p:sp>
-      <p:sp>
-        <p:nvSpPr>
-          <p:cNvPr id="20" name="Text 17"/>
-          <p:cNvSpPr/>
-          <p:nvPr/>
-        </p:nvSpPr>
-        <p:spPr>
-          <a:xfrm>
-            <a:off x="8295680" y="6459914"/>
-            <a:ext cx="4666178" cy="1449646"/>
-          </a:xfrm>
-          <a:prstGeom prst="rect">
-            <a:avLst/>
-          </a:prstGeom>
-          <a:noFill/>
-          <a:ln/>
-        </p:spPr>
-        <p:txBody>
-          <a:bodyPr wrap="square" rtlCol="0" anchor="t"/>
-          <a:lstStyle/>
-          <a:p>
-            <a:pPr marL="0" indent="0">
-              <a:lnSpc>
-                <a:spcPts val="2799"/>
-              </a:lnSpc>
-              <a:buNone/>
-            </a:pPr>
-            <a:r>
-              <a:rPr lang="en-US" sz="2000" dirty="0">
-                <a:solidFill>
-                  <a:srgbClr val="454240"/>
-                </a:solidFill>
-                <a:latin typeface="DM Sans" pitchFamily="34" charset="0"/>
-                <a:ea typeface="DM Sans" pitchFamily="34" charset="-122"/>
-                <a:cs typeface="DM Sans" pitchFamily="34" charset="-120"/>
-              </a:rPr>
-              <a:t>Deep understanding of the unique challenges restaurants face.</a:t>
+              <a:t>equip businesses with the latest connected technologies so that they can provide superior service to their guests and keep up with the ever-evolving demands of the hospitality industry.</a:t>
             </a:r>
             <a:endParaRPr lang="en-US" sz="2000" dirty="0"/>
           </a:p>
@@ -2855,7 +2692,7 @@
           <p:nvPr/>
         </p:nvPicPr>
         <p:blipFill>
-          <a:blip r:embed="rId4">
+          <a:blip r:embed="rId3">
             <a:extLst>
               <a:ext uri="{28A0092B-C50C-407E-A947-70E740481C1C}">
                 <a14:useLocalDpi xmlns:a14="http://schemas.microsoft.com/office/drawing/2010/main" val="0"/>
@@ -2959,7 +2796,7 @@
           <a:bodyPr/>
           <a:lstStyle/>
           <a:p>
-            <a:endParaRPr lang="en-LK"/>
+            <a:endParaRPr lang="en-LK" dirty="0"/>
           </a:p>
         </p:txBody>
       </p:sp>
@@ -3189,8 +3026,8 @@
         </p:nvSpPr>
         <p:spPr>
           <a:xfrm>
-            <a:off x="2260163" y="2973467"/>
-            <a:ext cx="4721781" cy="710803"/>
+            <a:off x="1109609" y="2973467"/>
+            <a:ext cx="6308342" cy="1141333"/>
           </a:xfrm>
           <a:prstGeom prst="rect">
             <a:avLst/>
@@ -3217,7 +3054,7 @@
                 <a:ea typeface="DM Sans" pitchFamily="34" charset="-122"/>
                 <a:cs typeface="DM Sans" pitchFamily="34" charset="-120"/>
               </a:rPr>
-              <a:t>Applying my technical and problem-solving skills to benefit restaurants.</a:t>
+              <a:t>Exceptional knowledge of customer pain points and understanding of the case creation process by all supporting  teams (L1/L2)</a:t>
             </a:r>
             <a:endParaRPr lang="en-US" sz="1750" dirty="0"/>
           </a:p>
@@ -3406,7 +3243,7 @@
                 <a:ea typeface="DM Sans" pitchFamily="34" charset="-122"/>
                 <a:cs typeface="DM Sans" pitchFamily="34" charset="-120"/>
               </a:rPr>
-              <a:t>Expanding my knowledge</a:t>
+              <a:t>Preaching what I learned from my software engineering degree.</a:t>
             </a:r>
             <a:endParaRPr lang="en-US" sz="1750" dirty="0"/>
           </a:p>
@@ -3553,7 +3390,7 @@
                 <a:ea typeface="Libre Baskerville" pitchFamily="34" charset="-122"/>
                 <a:cs typeface="Libre Baskerville" pitchFamily="34" charset="-120"/>
               </a:rPr>
-              <a:t>Collaborative Culture</a:t>
+              <a:t>Contributions</a:t>
             </a:r>
             <a:endParaRPr lang="en-US" sz="2187" dirty="0"/>
           </a:p>
@@ -3595,7 +3432,7 @@
                 <a:ea typeface="DM Sans" pitchFamily="34" charset="-122"/>
                 <a:cs typeface="DM Sans" pitchFamily="34" charset="-120"/>
               </a:rPr>
-              <a:t>Working with a talented team to drive innovation.</a:t>
+              <a:t>Process improvement ideas bridging L1 and L2 work process.  </a:t>
             </a:r>
             <a:endParaRPr lang="en-US" sz="1750" dirty="0"/>
           </a:p>
@@ -3628,7 +3465,7 @@
         </p:blipFill>
         <p:spPr bwMode="auto">
           <a:xfrm>
-            <a:off x="9572529" y="5039798"/>
+            <a:off x="9903798" y="4902028"/>
             <a:ext cx="4286679" cy="3327572"/>
           </a:xfrm>
           <a:prstGeom prst="rect">
@@ -3646,6 +3483,656 @@
           </a:extLst>
         </p:spPr>
       </p:pic>
+    </p:spTree>
+  </p:cSld>
+  <p:clrMapOvr>
+    <a:masterClrMapping/>
+  </p:clrMapOvr>
+</p:sld>
+</file>
+
+<file path=ppt/slides/slide6.xml><?xml version="1.0" encoding="utf-8"?>
+<p:sld xmlns:a="http://schemas.openxmlformats.org/drawingml/2006/main" xmlns:r="http://schemas.openxmlformats.org/officeDocument/2006/relationships" xmlns:p="http://schemas.openxmlformats.org/presentationml/2006/main">
+  <p:cSld>
+    <p:spTree>
+      <p:nvGrpSpPr>
+        <p:cNvPr id="1" name=""/>
+        <p:cNvGrpSpPr/>
+        <p:nvPr/>
+      </p:nvGrpSpPr>
+      <p:grpSpPr>
+        <a:xfrm>
+          <a:off x="0" y="0"/>
+          <a:ext cx="0" cy="0"/>
+          <a:chOff x="0" y="0"/>
+          <a:chExt cx="0" cy="0"/>
+        </a:xfrm>
+      </p:grpSpPr>
+      <p:pic>
+        <p:nvPicPr>
+          <p:cNvPr id="2" name="Image 0" descr="preencoded.png"/>
+          <p:cNvPicPr>
+            <a:picLocks noChangeAspect="1"/>
+          </p:cNvPicPr>
+          <p:nvPr/>
+        </p:nvPicPr>
+        <p:blipFill>
+          <a:blip r:embed="rId3"/>
+          <a:stretch>
+            <a:fillRect/>
+          </a:stretch>
+        </p:blipFill>
+        <p:spPr>
+          <a:xfrm>
+            <a:off x="0" y="0"/>
+            <a:ext cx="14630400" cy="8229600"/>
+          </a:xfrm>
+          <a:prstGeom prst="rect">
+            <a:avLst/>
+          </a:prstGeom>
+        </p:spPr>
+      </p:pic>
+      <p:sp>
+        <p:nvSpPr>
+          <p:cNvPr id="3" name="Shape 0"/>
+          <p:cNvSpPr/>
+          <p:nvPr/>
+        </p:nvSpPr>
+        <p:spPr>
+          <a:xfrm>
+            <a:off x="0" y="0"/>
+            <a:ext cx="14630400" cy="8229600"/>
+          </a:xfrm>
+          <a:prstGeom prst="rect">
+            <a:avLst/>
+          </a:prstGeom>
+          <a:solidFill>
+            <a:srgbClr val="FFFDFA"/>
+          </a:solidFill>
+          <a:ln/>
+        </p:spPr>
+        <p:txBody>
+          <a:bodyPr/>
+          <a:lstStyle/>
+          <a:p>
+            <a:endParaRPr lang="en-LK"/>
+          </a:p>
+        </p:txBody>
+      </p:sp>
+      <p:pic>
+        <p:nvPicPr>
+          <p:cNvPr id="4" name="Image 1" descr="preencoded.png"/>
+          <p:cNvPicPr>
+            <a:picLocks noChangeAspect="1"/>
+          </p:cNvPicPr>
+          <p:nvPr/>
+        </p:nvPicPr>
+        <p:blipFill>
+          <a:blip r:embed="rId4"/>
+          <a:stretch>
+            <a:fillRect/>
+          </a:stretch>
+        </p:blipFill>
+        <p:spPr>
+          <a:xfrm>
+            <a:off x="9151620" y="0"/>
+            <a:ext cx="5486400" cy="8229600"/>
+          </a:xfrm>
+          <a:prstGeom prst="rect">
+            <a:avLst/>
+          </a:prstGeom>
+        </p:spPr>
+      </p:pic>
+      <p:sp>
+        <p:nvSpPr>
+          <p:cNvPr id="5" name="Text 1"/>
+          <p:cNvSpPr/>
+          <p:nvPr/>
+        </p:nvSpPr>
+        <p:spPr>
+          <a:xfrm>
+            <a:off x="833199" y="1302901"/>
+            <a:ext cx="8097045" cy="1777009"/>
+          </a:xfrm>
+          <a:prstGeom prst="rect">
+            <a:avLst/>
+          </a:prstGeom>
+          <a:noFill/>
+          <a:ln/>
+        </p:spPr>
+        <p:txBody>
+          <a:bodyPr wrap="square" rtlCol="0" anchor="t"/>
+          <a:lstStyle/>
+          <a:p>
+            <a:pPr marL="0" indent="0">
+              <a:lnSpc>
+                <a:spcPts val="7545"/>
+              </a:lnSpc>
+              <a:buNone/>
+            </a:pPr>
+            <a:r>
+              <a:rPr lang="en-US" sz="6036" dirty="0">
+                <a:solidFill>
+                  <a:srgbClr val="5C4E3D"/>
+                </a:solidFill>
+                <a:latin typeface="Libre Baskerville" pitchFamily="34" charset="0"/>
+                <a:ea typeface="Libre Baskerville" pitchFamily="34" charset="-122"/>
+                <a:cs typeface="Libre Baskerville" pitchFamily="34" charset="-120"/>
+              </a:rPr>
+              <a:t>DevOps and SRE</a:t>
+            </a:r>
+            <a:endParaRPr lang="en-US" sz="6036" dirty="0"/>
+          </a:p>
+        </p:txBody>
+      </p:sp>
+      <p:sp>
+        <p:nvSpPr>
+          <p:cNvPr id="6" name="Text 2"/>
+          <p:cNvSpPr/>
+          <p:nvPr/>
+        </p:nvSpPr>
+        <p:spPr>
+          <a:xfrm>
+            <a:off x="627716" y="3226296"/>
+            <a:ext cx="8228608" cy="3020392"/>
+          </a:xfrm>
+          <a:prstGeom prst="rect">
+            <a:avLst/>
+          </a:prstGeom>
+          <a:noFill/>
+          <a:ln/>
+        </p:spPr>
+        <p:txBody>
+          <a:bodyPr wrap="square" rtlCol="0" anchor="t"/>
+          <a:lstStyle/>
+          <a:p>
+            <a:pPr marL="0" indent="0">
+              <a:lnSpc>
+                <a:spcPts val="2799"/>
+              </a:lnSpc>
+              <a:buNone/>
+            </a:pPr>
+            <a:r>
+              <a:rPr lang="en-US" sz="1750" dirty="0">
+                <a:solidFill>
+                  <a:srgbClr val="454240"/>
+                </a:solidFill>
+                <a:latin typeface="DM Sans" pitchFamily="34" charset="0"/>
+                <a:ea typeface="DM Sans" pitchFamily="34" charset="-122"/>
+                <a:cs typeface="DM Sans" pitchFamily="34" charset="-120"/>
+              </a:rPr>
+              <a:t> DevOps and Site Reliability Engineering (SRE) are complementary practices that work together to enhance software delivery. DevOps focuses on collaboration, automation, and continuous improvement, while SRE emphasizes reliability, scalability, and performance of production systems.</a:t>
+            </a:r>
+            <a:endParaRPr lang="en-US" sz="1750" dirty="0"/>
+          </a:p>
+        </p:txBody>
+      </p:sp>
+    </p:spTree>
+  </p:cSld>
+  <p:clrMapOvr>
+    <a:masterClrMapping/>
+  </p:clrMapOvr>
+</p:sld>
+</file>
+
+<file path=ppt/slides/slide7.xml><?xml version="1.0" encoding="utf-8"?>
+<p:sld xmlns:a="http://schemas.openxmlformats.org/drawingml/2006/main" xmlns:r="http://schemas.openxmlformats.org/officeDocument/2006/relationships" xmlns:p="http://schemas.openxmlformats.org/presentationml/2006/main">
+  <p:cSld>
+    <p:spTree>
+      <p:nvGrpSpPr>
+        <p:cNvPr id="1" name=""/>
+        <p:cNvGrpSpPr/>
+        <p:nvPr/>
+      </p:nvGrpSpPr>
+      <p:grpSpPr>
+        <a:xfrm>
+          <a:off x="0" y="0"/>
+          <a:ext cx="0" cy="0"/>
+          <a:chOff x="0" y="0"/>
+          <a:chExt cx="0" cy="0"/>
+        </a:xfrm>
+      </p:grpSpPr>
+      <p:pic>
+        <p:nvPicPr>
+          <p:cNvPr id="2" name="Image 0" descr="preencoded.png"/>
+          <p:cNvPicPr>
+            <a:picLocks noChangeAspect="1"/>
+          </p:cNvPicPr>
+          <p:nvPr/>
+        </p:nvPicPr>
+        <p:blipFill>
+          <a:blip r:embed="rId3"/>
+          <a:stretch>
+            <a:fillRect/>
+          </a:stretch>
+        </p:blipFill>
+        <p:spPr>
+          <a:xfrm>
+            <a:off x="0" y="0"/>
+            <a:ext cx="14630400" cy="8229600"/>
+          </a:xfrm>
+          <a:prstGeom prst="rect">
+            <a:avLst/>
+          </a:prstGeom>
+        </p:spPr>
+      </p:pic>
+      <p:sp>
+        <p:nvSpPr>
+          <p:cNvPr id="3" name="Shape 0"/>
+          <p:cNvSpPr/>
+          <p:nvPr/>
+        </p:nvSpPr>
+        <p:spPr>
+          <a:xfrm>
+            <a:off x="0" y="0"/>
+            <a:ext cx="14630400" cy="8229600"/>
+          </a:xfrm>
+          <a:prstGeom prst="rect">
+            <a:avLst/>
+          </a:prstGeom>
+          <a:solidFill>
+            <a:srgbClr val="FFFDFA"/>
+          </a:solidFill>
+          <a:ln/>
+        </p:spPr>
+        <p:txBody>
+          <a:bodyPr/>
+          <a:lstStyle/>
+          <a:p>
+            <a:endParaRPr lang="en-LK"/>
+          </a:p>
+        </p:txBody>
+      </p:sp>
+      <p:pic>
+        <p:nvPicPr>
+          <p:cNvPr id="4" name="Image 1" descr="preencoded.png"/>
+          <p:cNvPicPr>
+            <a:picLocks noChangeAspect="1"/>
+          </p:cNvPicPr>
+          <p:nvPr/>
+        </p:nvPicPr>
+        <p:blipFill>
+          <a:blip r:embed="rId4"/>
+          <a:stretch>
+            <a:fillRect/>
+          </a:stretch>
+        </p:blipFill>
+        <p:spPr>
+          <a:xfrm>
+            <a:off x="10980420" y="0"/>
+            <a:ext cx="3657600" cy="8229600"/>
+          </a:xfrm>
+          <a:prstGeom prst="rect">
+            <a:avLst/>
+          </a:prstGeom>
+        </p:spPr>
+      </p:pic>
+      <p:sp>
+        <p:nvSpPr>
+          <p:cNvPr id="5" name="Text 1"/>
+          <p:cNvSpPr/>
+          <p:nvPr/>
+        </p:nvSpPr>
+        <p:spPr>
+          <a:xfrm>
+            <a:off x="833199" y="934760"/>
+            <a:ext cx="7377232" cy="694373"/>
+          </a:xfrm>
+          <a:prstGeom prst="rect">
+            <a:avLst/>
+          </a:prstGeom>
+          <a:noFill/>
+          <a:ln/>
+        </p:spPr>
+        <p:txBody>
+          <a:bodyPr wrap="none" rtlCol="0" anchor="t"/>
+          <a:lstStyle/>
+          <a:p>
+            <a:pPr marL="0" indent="0">
+              <a:lnSpc>
+                <a:spcPts val="5468"/>
+              </a:lnSpc>
+              <a:buNone/>
+            </a:pPr>
+            <a:r>
+              <a:rPr lang="en-US" sz="4374" dirty="0">
+                <a:solidFill>
+                  <a:srgbClr val="5C4E3D"/>
+                </a:solidFill>
+                <a:latin typeface="Libre Baskerville" pitchFamily="34" charset="0"/>
+                <a:ea typeface="Libre Baskerville" pitchFamily="34" charset="-122"/>
+                <a:cs typeface="Libre Baskerville" pitchFamily="34" charset="-120"/>
+              </a:rPr>
+              <a:t>Complementary Practices</a:t>
+            </a:r>
+            <a:endParaRPr lang="en-US" sz="4374" dirty="0"/>
+          </a:p>
+        </p:txBody>
+      </p:sp>
+      <p:pic>
+        <p:nvPicPr>
+          <p:cNvPr id="6" name="Image 2" descr="preencoded.png"/>
+          <p:cNvPicPr>
+            <a:picLocks noChangeAspect="1"/>
+          </p:cNvPicPr>
+          <p:nvPr/>
+        </p:nvPicPr>
+        <p:blipFill>
+          <a:blip r:embed="rId5"/>
+          <a:stretch>
+            <a:fillRect/>
+          </a:stretch>
+        </p:blipFill>
+        <p:spPr>
+          <a:xfrm>
+            <a:off x="833199" y="1962388"/>
+            <a:ext cx="1110972" cy="1777484"/>
+          </a:xfrm>
+          <a:prstGeom prst="rect">
+            <a:avLst/>
+          </a:prstGeom>
+        </p:spPr>
+      </p:pic>
+      <p:sp>
+        <p:nvSpPr>
+          <p:cNvPr id="7" name="Text 2"/>
+          <p:cNvSpPr/>
+          <p:nvPr/>
+        </p:nvSpPr>
+        <p:spPr>
+          <a:xfrm>
+            <a:off x="2277428" y="2184559"/>
+            <a:ext cx="2777490" cy="347186"/>
+          </a:xfrm>
+          <a:prstGeom prst="rect">
+            <a:avLst/>
+          </a:prstGeom>
+          <a:noFill/>
+          <a:ln/>
+        </p:spPr>
+        <p:txBody>
+          <a:bodyPr wrap="none" rtlCol="0" anchor="t"/>
+          <a:lstStyle/>
+          <a:p>
+            <a:pPr marL="0" indent="0" algn="l">
+              <a:lnSpc>
+                <a:spcPts val="2734"/>
+              </a:lnSpc>
+              <a:buNone/>
+            </a:pPr>
+            <a:r>
+              <a:rPr lang="en-US" sz="2187" dirty="0">
+                <a:solidFill>
+                  <a:srgbClr val="454240"/>
+                </a:solidFill>
+                <a:latin typeface="Libre Baskerville" pitchFamily="34" charset="0"/>
+                <a:ea typeface="Libre Baskerville" pitchFamily="34" charset="-122"/>
+                <a:cs typeface="Libre Baskerville" pitchFamily="34" charset="-120"/>
+              </a:rPr>
+              <a:t>DevOps</a:t>
+            </a:r>
+            <a:endParaRPr lang="en-US" sz="2187" dirty="0"/>
+          </a:p>
+        </p:txBody>
+      </p:sp>
+      <p:sp>
+        <p:nvSpPr>
+          <p:cNvPr id="8" name="Text 3"/>
+          <p:cNvSpPr/>
+          <p:nvPr/>
+        </p:nvSpPr>
+        <p:spPr>
+          <a:xfrm>
+            <a:off x="2277428" y="2664976"/>
+            <a:ext cx="7862173" cy="710803"/>
+          </a:xfrm>
+          <a:prstGeom prst="rect">
+            <a:avLst/>
+          </a:prstGeom>
+          <a:noFill/>
+          <a:ln/>
+        </p:spPr>
+        <p:txBody>
+          <a:bodyPr wrap="square" rtlCol="0" anchor="t"/>
+          <a:lstStyle/>
+          <a:p>
+            <a:pPr marL="0" indent="0" algn="l">
+              <a:lnSpc>
+                <a:spcPts val="2799"/>
+              </a:lnSpc>
+              <a:buNone/>
+            </a:pPr>
+            <a:r>
+              <a:rPr lang="en-US" sz="1750" dirty="0">
+                <a:solidFill>
+                  <a:srgbClr val="454240"/>
+                </a:solidFill>
+                <a:latin typeface="DM Sans" pitchFamily="34" charset="0"/>
+                <a:ea typeface="DM Sans" pitchFamily="34" charset="-122"/>
+                <a:cs typeface="DM Sans" pitchFamily="34" charset="-120"/>
+              </a:rPr>
+              <a:t>Streamlines software delivery through collaboration, automation, and continuous improvement.</a:t>
+            </a:r>
+            <a:endParaRPr lang="en-US" sz="1750" dirty="0"/>
+          </a:p>
+        </p:txBody>
+      </p:sp>
+      <p:pic>
+        <p:nvPicPr>
+          <p:cNvPr id="9" name="Image 3" descr="preencoded.png"/>
+          <p:cNvPicPr>
+            <a:picLocks noChangeAspect="1"/>
+          </p:cNvPicPr>
+          <p:nvPr/>
+        </p:nvPicPr>
+        <p:blipFill>
+          <a:blip r:embed="rId6"/>
+          <a:stretch>
+            <a:fillRect/>
+          </a:stretch>
+        </p:blipFill>
+        <p:spPr>
+          <a:xfrm>
+            <a:off x="833199" y="3739872"/>
+            <a:ext cx="1110972" cy="1777484"/>
+          </a:xfrm>
+          <a:prstGeom prst="rect">
+            <a:avLst/>
+          </a:prstGeom>
+        </p:spPr>
+      </p:pic>
+      <p:sp>
+        <p:nvSpPr>
+          <p:cNvPr id="10" name="Text 4"/>
+          <p:cNvSpPr/>
+          <p:nvPr/>
+        </p:nvSpPr>
+        <p:spPr>
+          <a:xfrm>
+            <a:off x="2277428" y="3962043"/>
+            <a:ext cx="2777490" cy="347186"/>
+          </a:xfrm>
+          <a:prstGeom prst="rect">
+            <a:avLst/>
+          </a:prstGeom>
+          <a:noFill/>
+          <a:ln/>
+        </p:spPr>
+        <p:txBody>
+          <a:bodyPr wrap="none" rtlCol="0" anchor="t"/>
+          <a:lstStyle/>
+          <a:p>
+            <a:pPr marL="0" indent="0" algn="l">
+              <a:lnSpc>
+                <a:spcPts val="2734"/>
+              </a:lnSpc>
+              <a:buNone/>
+            </a:pPr>
+            <a:r>
+              <a:rPr lang="en-US" sz="2187" dirty="0">
+                <a:solidFill>
+                  <a:srgbClr val="454240"/>
+                </a:solidFill>
+                <a:latin typeface="Libre Baskerville" pitchFamily="34" charset="0"/>
+                <a:ea typeface="Libre Baskerville" pitchFamily="34" charset="-122"/>
+                <a:cs typeface="Libre Baskerville" pitchFamily="34" charset="-120"/>
+              </a:rPr>
+              <a:t>SRE</a:t>
+            </a:r>
+            <a:endParaRPr lang="en-US" sz="2187" dirty="0"/>
+          </a:p>
+        </p:txBody>
+      </p:sp>
+      <p:sp>
+        <p:nvSpPr>
+          <p:cNvPr id="11" name="Text 5"/>
+          <p:cNvSpPr/>
+          <p:nvPr/>
+        </p:nvSpPr>
+        <p:spPr>
+          <a:xfrm>
+            <a:off x="2277428" y="4442460"/>
+            <a:ext cx="7862173" cy="710803"/>
+          </a:xfrm>
+          <a:prstGeom prst="rect">
+            <a:avLst/>
+          </a:prstGeom>
+          <a:noFill/>
+          <a:ln/>
+        </p:spPr>
+        <p:txBody>
+          <a:bodyPr wrap="square" rtlCol="0" anchor="t"/>
+          <a:lstStyle/>
+          <a:p>
+            <a:pPr marL="0" indent="0" algn="l">
+              <a:lnSpc>
+                <a:spcPts val="2799"/>
+              </a:lnSpc>
+              <a:buNone/>
+            </a:pPr>
+            <a:r>
+              <a:rPr lang="en-US" sz="1750" dirty="0">
+                <a:solidFill>
+                  <a:srgbClr val="454240"/>
+                </a:solidFill>
+                <a:latin typeface="DM Sans" pitchFamily="34" charset="0"/>
+                <a:ea typeface="DM Sans" pitchFamily="34" charset="-122"/>
+                <a:cs typeface="DM Sans" pitchFamily="34" charset="-120"/>
+              </a:rPr>
+              <a:t>Ensures reliability, scalability, and performance of production systems using software engineering principles.</a:t>
+            </a:r>
+            <a:endParaRPr lang="en-US" sz="1750" dirty="0"/>
+          </a:p>
+        </p:txBody>
+      </p:sp>
+      <p:pic>
+        <p:nvPicPr>
+          <p:cNvPr id="12" name="Image 4" descr="preencoded.png"/>
+          <p:cNvPicPr>
+            <a:picLocks noChangeAspect="1"/>
+          </p:cNvPicPr>
+          <p:nvPr/>
+        </p:nvPicPr>
+        <p:blipFill>
+          <a:blip r:embed="rId7"/>
+          <a:stretch>
+            <a:fillRect/>
+          </a:stretch>
+        </p:blipFill>
+        <p:spPr>
+          <a:xfrm>
+            <a:off x="833199" y="5517356"/>
+            <a:ext cx="1110972" cy="1777484"/>
+          </a:xfrm>
+          <a:prstGeom prst="rect">
+            <a:avLst/>
+          </a:prstGeom>
+        </p:spPr>
+      </p:pic>
+      <p:sp>
+        <p:nvSpPr>
+          <p:cNvPr id="13" name="Text 6"/>
+          <p:cNvSpPr/>
+          <p:nvPr/>
+        </p:nvSpPr>
+        <p:spPr>
+          <a:xfrm>
+            <a:off x="2277428" y="5739527"/>
+            <a:ext cx="2777490" cy="347186"/>
+          </a:xfrm>
+          <a:prstGeom prst="rect">
+            <a:avLst/>
+          </a:prstGeom>
+          <a:noFill/>
+          <a:ln/>
+        </p:spPr>
+        <p:txBody>
+          <a:bodyPr wrap="none" rtlCol="0" anchor="t"/>
+          <a:lstStyle/>
+          <a:p>
+            <a:pPr marL="0" indent="0" algn="l">
+              <a:lnSpc>
+                <a:spcPts val="2734"/>
+              </a:lnSpc>
+              <a:buNone/>
+            </a:pPr>
+            <a:r>
+              <a:rPr lang="en-US" sz="2187" dirty="0">
+                <a:solidFill>
+                  <a:srgbClr val="454240"/>
+                </a:solidFill>
+                <a:latin typeface="Libre Baskerville" pitchFamily="34" charset="0"/>
+                <a:ea typeface="Libre Baskerville" pitchFamily="34" charset="-122"/>
+                <a:cs typeface="Libre Baskerville" pitchFamily="34" charset="-120"/>
+              </a:rPr>
+              <a:t>Synergy</a:t>
+            </a:r>
+            <a:endParaRPr lang="en-US" sz="2187" dirty="0"/>
+          </a:p>
+        </p:txBody>
+      </p:sp>
+      <p:sp>
+        <p:nvSpPr>
+          <p:cNvPr id="14" name="Text 7"/>
+          <p:cNvSpPr/>
+          <p:nvPr/>
+        </p:nvSpPr>
+        <p:spPr>
+          <a:xfrm>
+            <a:off x="2277428" y="6219944"/>
+            <a:ext cx="7862173" cy="710803"/>
+          </a:xfrm>
+          <a:prstGeom prst="rect">
+            <a:avLst/>
+          </a:prstGeom>
+          <a:noFill/>
+          <a:ln/>
+        </p:spPr>
+        <p:txBody>
+          <a:bodyPr wrap="square" rtlCol="0" anchor="t"/>
+          <a:lstStyle/>
+          <a:p>
+            <a:pPr marL="0" indent="0" algn="l">
+              <a:lnSpc>
+                <a:spcPts val="2799"/>
+              </a:lnSpc>
+              <a:buNone/>
+            </a:pPr>
+            <a:r>
+              <a:rPr lang="en-US" sz="1750" dirty="0">
+                <a:solidFill>
+                  <a:srgbClr val="454240"/>
+                </a:solidFill>
+                <a:latin typeface="DM Sans" pitchFamily="34" charset="0"/>
+                <a:ea typeface="DM Sans" pitchFamily="34" charset="-122"/>
+                <a:cs typeface="DM Sans" pitchFamily="34" charset="-120"/>
+              </a:rPr>
+              <a:t>DevOps and SRE work together to deliver high-quality, reliable software more efficiently.</a:t>
+            </a:r>
+            <a:endParaRPr lang="en-US" sz="1750" dirty="0"/>
+          </a:p>
+        </p:txBody>
+      </p:sp>
     </p:spTree>
   </p:cSld>
   <p:clrMapOvr>
@@ -4262,4 +4749,312 @@
     </a:ext>
   </a:extLst>
 </a:theme>
+</file>
+
+<file path=customXml/item1.xml><?xml version="1.0" encoding="utf-8"?>
+<?mso-contentType ?>
+<FormTemplates xmlns="http://schemas.microsoft.com/sharepoint/v3/contenttype/forms">
+  <Display>DocumentLibraryForm</Display>
+  <Edit>DocumentLibraryForm</Edit>
+  <New>DocumentLibraryForm</New>
+</FormTemplates>
+</file>
+
+<file path=customXml/item2.xml><?xml version="1.0" encoding="utf-8"?>
+<ct:contentTypeSchema xmlns:ct="http://schemas.microsoft.com/office/2006/metadata/contentType" xmlns:ma="http://schemas.microsoft.com/office/2006/metadata/properties/metaAttributes" ct:_="" ma:_="" ma:contentTypeName="Document" ma:contentTypeID="0x01010015D178E28BC072479FC74DCA9B7387DF" ma:contentTypeVersion="17" ma:contentTypeDescription="Create a new document." ma:contentTypeScope="" ma:versionID="c00a69859d3ff7cf8fa68daac12a47aa">
+  <xsd:schema xmlns:xsd="http://www.w3.org/2001/XMLSchema" xmlns:xs="http://www.w3.org/2001/XMLSchema" xmlns:p="http://schemas.microsoft.com/office/2006/metadata/properties" xmlns:ns3="814cbdd5-1c38-4e51-a3d2-4544d11fdff7" xmlns:ns4="2c738097-880e-45ff-9525-8325265de630" targetNamespace="http://schemas.microsoft.com/office/2006/metadata/properties" ma:root="true" ma:fieldsID="78ce810e3df53bd245bc3a2ca22c13e1" ns3:_="" ns4:_="">
+    <xsd:import namespace="814cbdd5-1c38-4e51-a3d2-4544d11fdff7"/>
+    <xsd:import namespace="2c738097-880e-45ff-9525-8325265de630"/>
+    <xsd:element name="properties">
+      <xsd:complexType>
+        <xsd:sequence>
+          <xsd:element name="documentManagement">
+            <xsd:complexType>
+              <xsd:all>
+                <xsd:element ref="ns3:MediaServiceMetadata" minOccurs="0"/>
+                <xsd:element ref="ns3:MediaServiceFastMetadata" minOccurs="0"/>
+                <xsd:element ref="ns3:MediaServiceAutoKeyPoints" minOccurs="0"/>
+                <xsd:element ref="ns3:MediaServiceKeyPoints" minOccurs="0"/>
+                <xsd:element ref="ns4:SharedWithUsers" minOccurs="0"/>
+                <xsd:element ref="ns4:SharedWithDetails" minOccurs="0"/>
+                <xsd:element ref="ns4:SharingHintHash" minOccurs="0"/>
+                <xsd:element ref="ns3:MediaServiceDateTaken" minOccurs="0"/>
+                <xsd:element ref="ns3:MediaLengthInSeconds" minOccurs="0"/>
+                <xsd:element ref="ns3:MediaServiceAutoTags" minOccurs="0"/>
+                <xsd:element ref="ns3:MediaServiceOCR" minOccurs="0"/>
+                <xsd:element ref="ns3:MediaServiceGenerationTime" minOccurs="0"/>
+                <xsd:element ref="ns3:MediaServiceEventHashCode" minOccurs="0"/>
+                <xsd:element ref="ns3:_activity" minOccurs="0"/>
+                <xsd:element ref="ns3:MediaServiceObjectDetectorVersions" minOccurs="0"/>
+                <xsd:element ref="ns3:MediaServiceSearchProperties" minOccurs="0"/>
+                <xsd:element ref="ns3:MediaServiceSystemTags" minOccurs="0"/>
+              </xsd:all>
+            </xsd:complexType>
+          </xsd:element>
+        </xsd:sequence>
+      </xsd:complexType>
+    </xsd:element>
+  </xsd:schema>
+  <xsd:schema xmlns:xsd="http://www.w3.org/2001/XMLSchema" xmlns:xs="http://www.w3.org/2001/XMLSchema" xmlns:dms="http://schemas.microsoft.com/office/2006/documentManagement/types" xmlns:pc="http://schemas.microsoft.com/office/infopath/2007/PartnerControls" targetNamespace="814cbdd5-1c38-4e51-a3d2-4544d11fdff7" elementFormDefault="qualified">
+    <xsd:import namespace="http://schemas.microsoft.com/office/2006/documentManagement/types"/>
+    <xsd:import namespace="http://schemas.microsoft.com/office/infopath/2007/PartnerControls"/>
+    <xsd:element name="MediaServiceMetadata" ma:index="8" nillable="true" ma:displayName="MediaServiceMetadata" ma:hidden="true" ma:internalName="MediaServiceMetadata" ma:readOnly="true">
+      <xsd:simpleType>
+        <xsd:restriction base="dms:Note"/>
+      </xsd:simpleType>
+    </xsd:element>
+    <xsd:element name="MediaServiceFastMetadata" ma:index="9" nillable="true" ma:displayName="MediaServiceFastMetadata" ma:hidden="true" ma:internalName="MediaServiceFastMetadata" ma:readOnly="true">
+      <xsd:simpleType>
+        <xsd:restriction base="dms:Note"/>
+      </xsd:simpleType>
+    </xsd:element>
+    <xsd:element name="MediaServiceAutoKeyPoints" ma:index="10" nillable="true" ma:displayName="MediaServiceAutoKeyPoints" ma:hidden="true" ma:internalName="MediaServiceAutoKeyPoints" ma:readOnly="true">
+      <xsd:simpleType>
+        <xsd:restriction base="dms:Note"/>
+      </xsd:simpleType>
+    </xsd:element>
+    <xsd:element name="MediaServiceKeyPoints" ma:index="11" nillable="true" ma:displayName="KeyPoints" ma:internalName="MediaServiceKeyPoints" ma:readOnly="true">
+      <xsd:simpleType>
+        <xsd:restriction base="dms:Note">
+          <xsd:maxLength value="255"/>
+        </xsd:restriction>
+      </xsd:simpleType>
+    </xsd:element>
+    <xsd:element name="MediaServiceDateTaken" ma:index="15" nillable="true" ma:displayName="MediaServiceDateTaken" ma:hidden="true" ma:internalName="MediaServiceDateTaken" ma:readOnly="true">
+      <xsd:simpleType>
+        <xsd:restriction base="dms:Text"/>
+      </xsd:simpleType>
+    </xsd:element>
+    <xsd:element name="MediaLengthInSeconds" ma:index="16" nillable="true" ma:displayName="MediaLengthInSeconds" ma:hidden="true" ma:internalName="MediaLengthInSeconds" ma:readOnly="true">
+      <xsd:simpleType>
+        <xsd:restriction base="dms:Unknown"/>
+      </xsd:simpleType>
+    </xsd:element>
+    <xsd:element name="MediaServiceAutoTags" ma:index="17" nillable="true" ma:displayName="Tags" ma:internalName="MediaServiceAutoTags" ma:readOnly="true">
+      <xsd:simpleType>
+        <xsd:restriction base="dms:Text"/>
+      </xsd:simpleType>
+    </xsd:element>
+    <xsd:element name="MediaServiceOCR" ma:index="18" nillable="true" ma:displayName="Extracted Text" ma:internalName="MediaServiceOCR" ma:readOnly="true">
+      <xsd:simpleType>
+        <xsd:restriction base="dms:Note">
+          <xsd:maxLength value="255"/>
+        </xsd:restriction>
+      </xsd:simpleType>
+    </xsd:element>
+    <xsd:element name="MediaServiceGenerationTime" ma:index="19" nillable="true" ma:displayName="MediaServiceGenerationTime" ma:hidden="true" ma:internalName="MediaServiceGenerationTime" ma:readOnly="true">
+      <xsd:simpleType>
+        <xsd:restriction base="dms:Text"/>
+      </xsd:simpleType>
+    </xsd:element>
+    <xsd:element name="MediaServiceEventHashCode" ma:index="20" nillable="true" ma:displayName="MediaServiceEventHashCode" ma:hidden="true" ma:internalName="MediaServiceEventHashCode" ma:readOnly="true">
+      <xsd:simpleType>
+        <xsd:restriction base="dms:Text"/>
+      </xsd:simpleType>
+    </xsd:element>
+    <xsd:element name="_activity" ma:index="21" nillable="true" ma:displayName="_activity" ma:hidden="true" ma:internalName="_activity">
+      <xsd:simpleType>
+        <xsd:restriction base="dms:Note"/>
+      </xsd:simpleType>
+    </xsd:element>
+    <xsd:element name="MediaServiceObjectDetectorVersions" ma:index="22" nillable="true" ma:displayName="MediaServiceObjectDetectorVersions" ma:hidden="true" ma:indexed="true" ma:internalName="MediaServiceObjectDetectorVersions" ma:readOnly="true">
+      <xsd:simpleType>
+        <xsd:restriction base="dms:Text"/>
+      </xsd:simpleType>
+    </xsd:element>
+    <xsd:element name="MediaServiceSearchProperties" ma:index="23" nillable="true" ma:displayName="MediaServiceSearchProperties" ma:hidden="true" ma:internalName="MediaServiceSearchProperties" ma:readOnly="true">
+      <xsd:simpleType>
+        <xsd:restriction base="dms:Note"/>
+      </xsd:simpleType>
+    </xsd:element>
+    <xsd:element name="MediaServiceSystemTags" ma:index="24" nillable="true" ma:displayName="MediaServiceSystemTags" ma:hidden="true" ma:internalName="MediaServiceSystemTags" ma:readOnly="true">
+      <xsd:simpleType>
+        <xsd:restriction base="dms:Note"/>
+      </xsd:simpleType>
+    </xsd:element>
+  </xsd:schema>
+  <xsd:schema xmlns:xsd="http://www.w3.org/2001/XMLSchema" xmlns:xs="http://www.w3.org/2001/XMLSchema" xmlns:dms="http://schemas.microsoft.com/office/2006/documentManagement/types" xmlns:pc="http://schemas.microsoft.com/office/infopath/2007/PartnerControls" targetNamespace="2c738097-880e-45ff-9525-8325265de630" elementFormDefault="qualified">
+    <xsd:import namespace="http://schemas.microsoft.com/office/2006/documentManagement/types"/>
+    <xsd:import namespace="http://schemas.microsoft.com/office/infopath/2007/PartnerControls"/>
+    <xsd:element name="SharedWithUsers" ma:index="12" nillable="true" ma:displayName="Shared With" ma:internalName="SharedWithUsers" ma:readOnly="true">
+      <xsd:complexType>
+        <xsd:complexContent>
+          <xsd:extension base="dms:UserMulti">
+            <xsd:sequence>
+              <xsd:element name="UserInfo" minOccurs="0" maxOccurs="unbounded">
+                <xsd:complexType>
+                  <xsd:sequence>
+                    <xsd:element name="DisplayName" type="xsd:string" minOccurs="0"/>
+                    <xsd:element name="AccountId" type="dms:UserId" minOccurs="0" nillable="true"/>
+                    <xsd:element name="AccountType" type="xsd:string" minOccurs="0"/>
+                  </xsd:sequence>
+                </xsd:complexType>
+              </xsd:element>
+            </xsd:sequence>
+          </xsd:extension>
+        </xsd:complexContent>
+      </xsd:complexType>
+    </xsd:element>
+    <xsd:element name="SharedWithDetails" ma:index="13" nillable="true" ma:displayName="Shared With Details" ma:internalName="SharedWithDetails" ma:readOnly="true">
+      <xsd:simpleType>
+        <xsd:restriction base="dms:Note">
+          <xsd:maxLength value="255"/>
+        </xsd:restriction>
+      </xsd:simpleType>
+    </xsd:element>
+    <xsd:element name="SharingHintHash" ma:index="14" nillable="true" ma:displayName="Sharing Hint Hash" ma:hidden="true" ma:internalName="SharingHintHash" ma:readOnly="true">
+      <xsd:simpleType>
+        <xsd:restriction base="dms:Text"/>
+      </xsd:simpleType>
+    </xsd:element>
+  </xsd:schema>
+  <xsd:schema xmlns="http://schemas.openxmlformats.org/package/2006/metadata/core-properties" xmlns:xsd="http://www.w3.org/2001/XMLSchema" xmlns:xsi="http://www.w3.org/2001/XMLSchema-instance" xmlns:dc="http://purl.org/dc/elements/1.1/" xmlns:dcterms="http://purl.org/dc/terms/" xmlns:odoc="http://schemas.microsoft.com/internal/obd" targetNamespace="http://schemas.openxmlformats.org/package/2006/metadata/core-properties" elementFormDefault="qualified" attributeFormDefault="unqualified" blockDefault="#all">
+    <xsd:import namespace="http://purl.org/dc/elements/1.1/" schemaLocation="http://dublincore.org/schemas/xmls/qdc/2003/04/02/dc.xsd"/>
+    <xsd:import namespace="http://purl.org/dc/terms/" schemaLocation="http://dublincore.org/schemas/xmls/qdc/2003/04/02/dcterms.xsd"/>
+    <xsd:element name="coreProperties" type="CT_coreProperties"/>
+    <xsd:complexType name="CT_coreProperties">
+      <xsd:all>
+        <xsd:element ref="dc:creator" minOccurs="0" maxOccurs="1"/>
+        <xsd:element ref="dcterms:created" minOccurs="0" maxOccurs="1"/>
+        <xsd:element ref="dc:identifier" minOccurs="0" maxOccurs="1"/>
+        <xsd:element name="contentType" minOccurs="0" maxOccurs="1" type="xsd:string" ma:index="0" ma:displayName="Content Type"/>
+        <xsd:element ref="dc:title" minOccurs="0" maxOccurs="1" ma:index="4" ma:displayName="Title"/>
+        <xsd:element ref="dc:subject" minOccurs="0" maxOccurs="1"/>
+        <xsd:element ref="dc:description" minOccurs="0" maxOccurs="1"/>
+        <xsd:element name="keywords" minOccurs="0" maxOccurs="1" type="xsd:string"/>
+        <xsd:element ref="dc:language" minOccurs="0" maxOccurs="1"/>
+        <xsd:element name="category" minOccurs="0" maxOccurs="1" type="xsd:string"/>
+        <xsd:element name="version" minOccurs="0" maxOccurs="1" type="xsd:string"/>
+        <xsd:element name="revision" minOccurs="0" maxOccurs="1" type="xsd:string">
+          <xsd:annotation>
+            <xsd:documentation>
+                        This value indicates the number of saves or revisions. The application is responsible for updating this value after each revision.
+                    </xsd:documentation>
+          </xsd:annotation>
+        </xsd:element>
+        <xsd:element name="lastModifiedBy" minOccurs="0" maxOccurs="1" type="xsd:string"/>
+        <xsd:element ref="dcterms:modified" minOccurs="0" maxOccurs="1"/>
+        <xsd:element name="contentStatus" minOccurs="0" maxOccurs="1" type="xsd:string"/>
+      </xsd:all>
+    </xsd:complexType>
+  </xsd:schema>
+  <xs:schema xmlns:pc="http://schemas.microsoft.com/office/infopath/2007/PartnerControls" xmlns:xs="http://www.w3.org/2001/XMLSchema" targetNamespace="http://schemas.microsoft.com/office/infopath/2007/PartnerControls" elementFormDefault="qualified" attributeFormDefault="unqualified">
+    <xs:element name="Person">
+      <xs:complexType>
+        <xs:sequence>
+          <xs:element ref="pc:DisplayName" minOccurs="0"/>
+          <xs:element ref="pc:AccountId" minOccurs="0"/>
+          <xs:element ref="pc:AccountType" minOccurs="0"/>
+        </xs:sequence>
+      </xs:complexType>
+    </xs:element>
+    <xs:element name="DisplayName" type="xs:string"/>
+    <xs:element name="AccountId" type="xs:string"/>
+    <xs:element name="AccountType" type="xs:string"/>
+    <xs:element name="BDCAssociatedEntity">
+      <xs:complexType>
+        <xs:sequence>
+          <xs:element ref="pc:BDCEntity" minOccurs="0" maxOccurs="unbounded"/>
+        </xs:sequence>
+        <xs:attribute ref="pc:EntityNamespace"/>
+        <xs:attribute ref="pc:EntityName"/>
+        <xs:attribute ref="pc:SystemInstanceName"/>
+        <xs:attribute ref="pc:AssociationName"/>
+      </xs:complexType>
+    </xs:element>
+    <xs:attribute name="EntityNamespace" type="xs:string"/>
+    <xs:attribute name="EntityName" type="xs:string"/>
+    <xs:attribute name="SystemInstanceName" type="xs:string"/>
+    <xs:attribute name="AssociationName" type="xs:string"/>
+    <xs:element name="BDCEntity">
+      <xs:complexType>
+        <xs:sequence>
+          <xs:element ref="pc:EntityDisplayName" minOccurs="0"/>
+          <xs:element ref="pc:EntityInstanceReference" minOccurs="0"/>
+          <xs:element ref="pc:EntityId1" minOccurs="0"/>
+          <xs:element ref="pc:EntityId2" minOccurs="0"/>
+          <xs:element ref="pc:EntityId3" minOccurs="0"/>
+          <xs:element ref="pc:EntityId4" minOccurs="0"/>
+          <xs:element ref="pc:EntityId5" minOccurs="0"/>
+        </xs:sequence>
+      </xs:complexType>
+    </xs:element>
+    <xs:element name="EntityDisplayName" type="xs:string"/>
+    <xs:element name="EntityInstanceReference" type="xs:string"/>
+    <xs:element name="EntityId1" type="xs:string"/>
+    <xs:element name="EntityId2" type="xs:string"/>
+    <xs:element name="EntityId3" type="xs:string"/>
+    <xs:element name="EntityId4" type="xs:string"/>
+    <xs:element name="EntityId5" type="xs:string"/>
+    <xs:element name="Terms">
+      <xs:complexType>
+        <xs:sequence>
+          <xs:element ref="pc:TermInfo" minOccurs="0" maxOccurs="unbounded"/>
+        </xs:sequence>
+      </xs:complexType>
+    </xs:element>
+    <xs:element name="TermInfo">
+      <xs:complexType>
+        <xs:sequence>
+          <xs:element ref="pc:TermName" minOccurs="0"/>
+          <xs:element ref="pc:TermId" minOccurs="0"/>
+        </xs:sequence>
+      </xs:complexType>
+    </xs:element>
+    <xs:element name="TermName" type="xs:string"/>
+    <xs:element name="TermId" type="xs:string"/>
+  </xs:schema>
+</ct:contentTypeSchema>
+</file>
+
+<file path=customXml/item3.xml><?xml version="1.0" encoding="utf-8"?>
+<p:properties xmlns:p="http://schemas.microsoft.com/office/2006/metadata/properties" xmlns:xsi="http://www.w3.org/2001/XMLSchema-instance" xmlns:pc="http://schemas.microsoft.com/office/infopath/2007/PartnerControls">
+  <documentManagement>
+    <_activity xmlns="814cbdd5-1c38-4e51-a3d2-4544d11fdff7" xsi:nil="true"/>
+  </documentManagement>
+</p:properties>
+</file>
+
+<file path=customXml/itemProps1.xml><?xml version="1.0" encoding="utf-8"?>
+<ds:datastoreItem xmlns:ds="http://schemas.openxmlformats.org/officeDocument/2006/customXml" ds:itemID="{C13B31C7-484C-472E-A751-B6D7A84D8197}">
+  <ds:schemaRefs>
+    <ds:schemaRef ds:uri="http://schemas.microsoft.com/sharepoint/v3/contenttype/forms"/>
+  </ds:schemaRefs>
+</ds:datastoreItem>
+</file>
+
+<file path=customXml/itemProps2.xml><?xml version="1.0" encoding="utf-8"?>
+<ds:datastoreItem xmlns:ds="http://schemas.openxmlformats.org/officeDocument/2006/customXml" ds:itemID="{25D0DB69-81B7-40AD-9BC2-0B936181EB79}">
+  <ds:schemaRefs>
+    <ds:schemaRef ds:uri="http://schemas.microsoft.com/office/2006/metadata/contentType"/>
+    <ds:schemaRef ds:uri="http://schemas.microsoft.com/office/2006/metadata/properties/metaAttributes"/>
+    <ds:schemaRef ds:uri="http://www.w3.org/2001/XMLSchema"/>
+    <ds:schemaRef ds:uri="http://schemas.microsoft.com/office/2006/metadata/properties"/>
+    <ds:schemaRef ds:uri="814cbdd5-1c38-4e51-a3d2-4544d11fdff7"/>
+    <ds:schemaRef ds:uri="2c738097-880e-45ff-9525-8325265de630"/>
+    <ds:schemaRef ds:uri="http://schemas.microsoft.com/office/2006/documentManagement/types"/>
+    <ds:schemaRef ds:uri="http://schemas.microsoft.com/office/infopath/2007/PartnerControls"/>
+    <ds:schemaRef ds:uri="http://schemas.openxmlformats.org/package/2006/metadata/core-properties"/>
+    <ds:schemaRef ds:uri="http://purl.org/dc/elements/1.1/"/>
+    <ds:schemaRef ds:uri="http://purl.org/dc/terms/"/>
+    <ds:schemaRef ds:uri="http://schemas.microsoft.com/internal/obd"/>
+  </ds:schemaRefs>
+</ds:datastoreItem>
+</file>
+
+<file path=customXml/itemProps3.xml><?xml version="1.0" encoding="utf-8"?>
+<ds:datastoreItem xmlns:ds="http://schemas.openxmlformats.org/officeDocument/2006/customXml" ds:itemID="{419C8EB1-AC92-4EB3-8EDB-DA79D0AE2EBE}">
+  <ds:schemaRefs>
+    <ds:schemaRef ds:uri="http://purl.org/dc/terms/"/>
+    <ds:schemaRef ds:uri="http://schemas.microsoft.com/office/2006/documentManagement/types"/>
+    <ds:schemaRef ds:uri="http://purl.org/dc/dcmitype/"/>
+    <ds:schemaRef ds:uri="814cbdd5-1c38-4e51-a3d2-4544d11fdff7"/>
+    <ds:schemaRef ds:uri="http://purl.org/dc/elements/1.1/"/>
+    <ds:schemaRef ds:uri="http://schemas.microsoft.com/office/2006/metadata/properties"/>
+    <ds:schemaRef ds:uri="http://schemas.openxmlformats.org/package/2006/metadata/core-properties"/>
+    <ds:schemaRef ds:uri="http://schemas.microsoft.com/office/infopath/2007/PartnerControls"/>
+    <ds:schemaRef ds:uri="2c738097-880e-45ff-9525-8325265de630"/>
+    <ds:schemaRef ds:uri="http://www.w3.org/XML/1998/namespace"/>
+  </ds:schemaRefs>
+</ds:datastoreItem>
 </file>